--- a/Overview of Cochrane library/TOP Meeting presentation.pptx
+++ b/Overview of Cochrane library/TOP Meeting presentation.pptx
@@ -1,15 +1,21 @@
 
 <file path=ppt/presentation.xml><?xml version="1.0" encoding="utf-8"?>
-<p:presentation xmlns:a="http://schemas.openxmlformats.org/drawingml/2006/main" xmlns:r="http://schemas.openxmlformats.org/officeDocument/2006/relationships" xmlns:p="http://schemas.openxmlformats.org/presentationml/2006/main" saveSubsetFonts="1">
+<p:presentation xmlns:a="http://schemas.openxmlformats.org/drawingml/2006/main" xmlns:r="http://schemas.openxmlformats.org/officeDocument/2006/relationships" xmlns:p="http://schemas.openxmlformats.org/presentationml/2006/main">
   <p:sldMasterIdLst>
     <p:sldMasterId id="2147483648" r:id="rId1"/>
   </p:sldMasterIdLst>
   <p:sldIdLst>
     <p:sldId id="256" r:id="rId3"/>
-    <p:sldId id="257" r:id="rId4"/>
-    <p:sldId id="260" r:id="rId5"/>
-    <p:sldId id="259" r:id="rId6"/>
-    <p:sldId id="258" r:id="rId7"/>
+    <p:sldId id="281" r:id="rId4"/>
+    <p:sldId id="279" r:id="rId5"/>
+    <p:sldId id="257" r:id="rId6"/>
+    <p:sldId id="272" r:id="rId7"/>
+    <p:sldId id="273" r:id="rId8"/>
+    <p:sldId id="265" r:id="rId9"/>
+    <p:sldId id="264" r:id="rId10"/>
+    <p:sldId id="263" r:id="rId11"/>
+    <p:sldId id="278" r:id="rId12"/>
+    <p:sldId id="266" r:id="rId13"/>
   </p:sldIdLst>
   <p:sldSz cx="12192000" cy="6858000"/>
   <p:notesSz cx="6858000" cy="9144000"/>
@@ -28,7 +34,7 @@
         <a:solidFill>
           <a:schemeClr val="tx1"/>
         </a:solidFill>
-        <a:latin typeface="Arial" charset="0"/>
+        <a:latin typeface="Arial" panose="020B0604020202020204" pitchFamily="34" charset="0"/>
         <a:ea typeface="+mn-ea"/>
         <a:cs typeface="+mn-cs"/>
       </a:defRPr>
@@ -44,7 +50,7 @@
         <a:solidFill>
           <a:schemeClr val="tx1"/>
         </a:solidFill>
-        <a:latin typeface="Arial" charset="0"/>
+        <a:latin typeface="Arial" panose="020B0604020202020204" pitchFamily="34" charset="0"/>
         <a:ea typeface="+mn-ea"/>
         <a:cs typeface="+mn-cs"/>
       </a:defRPr>
@@ -60,7 +66,7 @@
         <a:solidFill>
           <a:schemeClr val="tx1"/>
         </a:solidFill>
-        <a:latin typeface="Arial" charset="0"/>
+        <a:latin typeface="Arial" panose="020B0604020202020204" pitchFamily="34" charset="0"/>
         <a:ea typeface="+mn-ea"/>
         <a:cs typeface="+mn-cs"/>
       </a:defRPr>
@@ -76,7 +82,7 @@
         <a:solidFill>
           <a:schemeClr val="tx1"/>
         </a:solidFill>
-        <a:latin typeface="Arial" charset="0"/>
+        <a:latin typeface="Arial" panose="020B0604020202020204" pitchFamily="34" charset="0"/>
         <a:ea typeface="+mn-ea"/>
         <a:cs typeface="+mn-cs"/>
       </a:defRPr>
@@ -92,7 +98,7 @@
         <a:solidFill>
           <a:schemeClr val="tx1"/>
         </a:solidFill>
-        <a:latin typeface="Arial" charset="0"/>
+        <a:latin typeface="Arial" panose="020B0604020202020204" pitchFamily="34" charset="0"/>
         <a:ea typeface="+mn-ea"/>
         <a:cs typeface="+mn-cs"/>
       </a:defRPr>
@@ -102,7 +108,7 @@
         <a:solidFill>
           <a:schemeClr val="tx1"/>
         </a:solidFill>
-        <a:latin typeface="Arial" charset="0"/>
+        <a:latin typeface="Arial" panose="020B0604020202020204" pitchFamily="34" charset="0"/>
         <a:ea typeface="+mn-ea"/>
         <a:cs typeface="+mn-cs"/>
       </a:defRPr>
@@ -112,7 +118,7 @@
         <a:solidFill>
           <a:schemeClr val="tx1"/>
         </a:solidFill>
-        <a:latin typeface="Arial" charset="0"/>
+        <a:latin typeface="Arial" panose="020B0604020202020204" pitchFamily="34" charset="0"/>
         <a:ea typeface="+mn-ea"/>
         <a:cs typeface="+mn-cs"/>
       </a:defRPr>
@@ -122,7 +128,7 @@
         <a:solidFill>
           <a:schemeClr val="tx1"/>
         </a:solidFill>
-        <a:latin typeface="Arial" charset="0"/>
+        <a:latin typeface="Arial" panose="020B0604020202020204" pitchFamily="34" charset="0"/>
         <a:ea typeface="+mn-ea"/>
         <a:cs typeface="+mn-cs"/>
       </a:defRPr>
@@ -132,7 +138,7 @@
         <a:solidFill>
           <a:schemeClr val="tx1"/>
         </a:solidFill>
-        <a:latin typeface="Arial" charset="0"/>
+        <a:latin typeface="Arial" panose="020B0604020202020204" pitchFamily="34" charset="0"/>
         <a:ea typeface="+mn-ea"/>
         <a:cs typeface="+mn-cs"/>
       </a:defRPr>
@@ -602,18 +608,25 @@
         </p:nvSpPr>
         <p:spPr>
           <a:xfrm>
-            <a:off x="1128000" y="1003462"/>
-            <a:ext cx="9936000" cy="533400"/>
+            <a:off x="1128395" y="661035"/>
+            <a:ext cx="9935845" cy="988695"/>
           </a:xfrm>
         </p:spPr>
         <p:txBody>
           <a:bodyPr/>
           <a:lstStyle>
             <a:lvl1pPr>
-              <a:defRPr>
+              <a:defRPr sz="3200">
                 <a:solidFill>
-                  <a:schemeClr val="bg2"/>
+                  <a:schemeClr val="tx1"/>
                 </a:solidFill>
+                <a:effectLst>
+                  <a:outerShdw blurRad="38100" dist="19050" dir="2700000" algn="tl" rotWithShape="0">
+                    <a:schemeClr val="dk1">
+                      <a:alpha val="40000"/>
+                    </a:schemeClr>
+                  </a:outerShdw>
+                </a:effectLst>
               </a:defRPr>
             </a:lvl1pPr>
           </a:lstStyle>
@@ -652,7 +665,7 @@
                 <a:spcPts val="4200"/>
               </a:lnSpc>
               <a:buNone/>
-              <a:defRPr sz="4000">
+              <a:defRPr sz="2400">
                 <a:solidFill>
                   <a:schemeClr val="bg2"/>
                 </a:solidFill>
@@ -760,16 +773,16 @@
         </p:nvSpPr>
         <p:spPr>
           <a:xfrm>
-            <a:off x="1128001" y="4078255"/>
+            <a:off x="4367136" y="4172235"/>
             <a:ext cx="7128209" cy="635000"/>
           </a:xfrm>
         </p:spPr>
         <p:txBody>
           <a:bodyPr/>
           <a:lstStyle>
-            <a:lvl1pPr marL="0" indent="0" algn="l">
+            <a:lvl1pPr marL="0" indent="0" algn="r">
               <a:buNone/>
-              <a:defRPr>
+              <a:defRPr sz="1600">
                 <a:solidFill>
                   <a:schemeClr val="bg2"/>
                 </a:solidFill>
@@ -782,6 +795,7 @@
               <a:rPr lang="en-US" smtClean="0"/>
               <a:t>Click to edit Master text styles</a:t>
             </a:r>
+            <a:endParaRPr lang="en-US" smtClean="0"/>
           </a:p>
         </p:txBody>
       </p:sp>
@@ -1375,6 +1389,7 @@
               <a:rPr lang="nl-NL" smtClean="0"/>
               <a:t>Klik om de modelstijlen te bewerken</a:t>
             </a:r>
+            <a:endParaRPr lang="nl-NL" smtClean="0"/>
           </a:p>
         </p:txBody>
       </p:sp>
@@ -1811,6 +1826,7 @@
               <a:rPr lang="nl-NL" smtClean="0"/>
               <a:t>Klik om de modelstijlen te bewerken</a:t>
             </a:r>
+            <a:endParaRPr lang="nl-NL" smtClean="0"/>
           </a:p>
         </p:txBody>
       </p:sp>
@@ -6695,6 +6711,7 @@
               <a:rPr lang="en-US" smtClean="0"/>
               <a:t>Click to edit Master text styles</a:t>
             </a:r>
+            <a:endParaRPr lang="en-US" smtClean="0"/>
           </a:p>
         </p:txBody>
       </p:sp>
@@ -6734,10 +6751,19 @@
             <p:ph type="title"/>
           </p:nvPr>
         </p:nvSpPr>
-        <p:spPr/>
+        <p:spPr>
+          <a:xfrm>
+            <a:off x="245110" y="78740"/>
+            <a:ext cx="11692890" cy="533400"/>
+          </a:xfrm>
+        </p:spPr>
         <p:txBody>
           <a:bodyPr/>
-          <a:lstStyle/>
+          <a:lstStyle>
+            <a:lvl1pPr algn="ctr">
+              <a:defRPr sz="3600"/>
+            </a:lvl1pPr>
+          </a:lstStyle>
           <a:p>
             <a:r>
               <a:rPr lang="en-US" smtClean="0"/>
@@ -6757,10 +6783,31 @@
             <p:ph idx="1"/>
           </p:nvPr>
         </p:nvSpPr>
-        <p:spPr/>
+        <p:spPr>
+          <a:xfrm>
+            <a:off x="245110" y="843280"/>
+            <a:ext cx="11692890" cy="4125595"/>
+          </a:xfrm>
+        </p:spPr>
         <p:txBody>
           <a:bodyPr/>
-          <a:lstStyle/>
+          <a:lstStyle>
+            <a:lvl1pPr>
+              <a:defRPr sz="2200"/>
+            </a:lvl1pPr>
+            <a:lvl2pPr>
+              <a:defRPr sz="2000"/>
+            </a:lvl2pPr>
+            <a:lvl3pPr>
+              <a:defRPr sz="1800"/>
+            </a:lvl3pPr>
+            <a:lvl4pPr>
+              <a:defRPr sz="1600"/>
+            </a:lvl4pPr>
+            <a:lvl5pPr>
+              <a:defRPr sz="1200"/>
+            </a:lvl5pPr>
+          </a:lstStyle>
           <a:p>
             <a:pPr lvl="0"/>
             <a:r>
@@ -11277,6 +11324,7 @@
               <a:rPr lang="nl-NL" altLang="en-US" smtClean="0"/>
               <a:t>Klik om de stijl te bewerken</a:t>
             </a:r>
+            <a:endParaRPr lang="nl-NL" altLang="en-US" smtClean="0"/>
           </a:p>
         </p:txBody>
       </p:sp>
@@ -11363,6 +11411,7 @@
               <a:rPr lang="nl-NL" altLang="en-US" smtClean="0"/>
               <a:t>Vijfde niveau</a:t>
             </a:r>
+            <a:endParaRPr lang="nl-NL" altLang="en-US" smtClean="0"/>
           </a:p>
         </p:txBody>
       </p:sp>
@@ -11878,7 +11927,7 @@
         <a:buClr>
           <a:schemeClr val="tx2"/>
         </a:buClr>
-        <a:buFont typeface="Arial" charset="0"/>
+        <a:buFont typeface="Arial" panose="020B0604020202020204" pitchFamily="34" charset="0"/>
         <a:buChar char="•"/>
         <a:defRPr sz="2000" kern="1200">
           <a:solidFill>
@@ -11899,7 +11948,7 @@
         <a:spcAft>
           <a:spcPct val="0"/>
         </a:spcAft>
-        <a:buFont typeface="Arial" charset="0"/>
+        <a:buFont typeface="Arial" panose="020B0604020202020204" pitchFamily="34" charset="0"/>
         <a:buChar char="•"/>
         <a:defRPr sz="2000" kern="1200">
           <a:solidFill>
@@ -11923,7 +11972,7 @@
         <a:buClr>
           <a:schemeClr val="tx2"/>
         </a:buClr>
-        <a:buFont typeface="Arial" charset="0"/>
+        <a:buFont typeface="Arial" panose="020B0604020202020204" pitchFamily="34" charset="0"/>
         <a:buChar char="•"/>
         <a:defRPr sz="2000" kern="1200">
           <a:solidFill>
@@ -11944,7 +11993,7 @@
         <a:spcAft>
           <a:spcPct val="0"/>
         </a:spcAft>
-        <a:buFont typeface="Arial" charset="0"/>
+        <a:buFont typeface="Arial" panose="020B0604020202020204" pitchFamily="34" charset="0"/>
         <a:buChar char="•"/>
         <a:defRPr sz="2000" kern="1200">
           <a:solidFill>
@@ -11968,7 +12017,7 @@
         <a:buClr>
           <a:schemeClr val="tx2"/>
         </a:buClr>
-        <a:buFont typeface="Arial" charset="0"/>
+        <a:buFont typeface="Arial" panose="020B0604020202020204" pitchFamily="34" charset="0"/>
         <a:buChar char="•"/>
         <a:defRPr sz="2000" kern="1200">
           <a:solidFill>
@@ -11983,7 +12032,7 @@
         <a:spcBef>
           <a:spcPct val="20000"/>
         </a:spcBef>
-        <a:buFont typeface="Arial" charset="0"/>
+        <a:buFont typeface="Arial" panose="020B0604020202020204" pitchFamily="34" charset="0"/>
         <a:buChar char="•"/>
         <a:defRPr sz="2000" kern="1200">
           <a:solidFill>
@@ -11998,7 +12047,7 @@
         <a:spcBef>
           <a:spcPct val="20000"/>
         </a:spcBef>
-        <a:buFont typeface="Arial" charset="0"/>
+        <a:buFont typeface="Arial" panose="020B0604020202020204" pitchFamily="34" charset="0"/>
         <a:buChar char="•"/>
         <a:defRPr sz="2000" kern="1200">
           <a:solidFill>
@@ -12013,7 +12062,7 @@
         <a:spcBef>
           <a:spcPct val="20000"/>
         </a:spcBef>
-        <a:buFont typeface="Arial" charset="0"/>
+        <a:buFont typeface="Arial" panose="020B0604020202020204" pitchFamily="34" charset="0"/>
         <a:buChar char="•"/>
         <a:defRPr sz="2000" kern="1200">
           <a:solidFill>
@@ -12028,7 +12077,7 @@
         <a:spcBef>
           <a:spcPct val="20000"/>
         </a:spcBef>
-        <a:buFont typeface="Arial" charset="0"/>
+        <a:buFont typeface="Arial" panose="020B0604020202020204" pitchFamily="34" charset="0"/>
         <a:buChar char="•"/>
         <a:defRPr sz="2000" kern="1200">
           <a:solidFill>
@@ -12186,10 +12235,62 @@
           <a:p>
             <a:pPr eaLnBrk="1" hangingPunct="1"/>
             <a:r>
-              <a:rPr lang="x-none" altLang="en-US" dirty="0" smtClean="0"/>
-              <a:t>Meeting 22/05/2017</a:t>
-            </a:r>
-            <a:endParaRPr lang="x-none" altLang="en-US" dirty="0" smtClean="0"/>
+              <a:rPr lang="en-US" altLang="x-none" dirty="0" smtClean="0">
+                <a:solidFill>
+                  <a:schemeClr val="tx1"/>
+                </a:solidFill>
+                <a:effectLst>
+                  <a:outerShdw blurRad="38100" dist="19050" dir="2700000" algn="tl" rotWithShape="0">
+                    <a:schemeClr val="dk1">
+                      <a:alpha val="40000"/>
+                    </a:schemeClr>
+                  </a:outerShdw>
+                </a:effectLst>
+              </a:rPr>
+              <a:t>An overview of IPD-MA</a:t>
+            </a:r>
+            <a:r>
+              <a:rPr lang="" altLang="en-US" dirty="0" smtClean="0">
+                <a:solidFill>
+                  <a:schemeClr val="tx1"/>
+                </a:solidFill>
+                <a:effectLst>
+                  <a:outerShdw blurRad="38100" dist="19050" dir="2700000" algn="tl" rotWithShape="0">
+                    <a:schemeClr val="dk1">
+                      <a:alpha val="40000"/>
+                    </a:schemeClr>
+                  </a:outerShdw>
+                </a:effectLst>
+              </a:rPr>
+              <a:t>s</a:t>
+            </a:r>
+            <a:r>
+              <a:rPr lang="en-US" altLang="x-none" dirty="0" smtClean="0">
+                <a:solidFill>
+                  <a:schemeClr val="tx1"/>
+                </a:solidFill>
+                <a:effectLst>
+                  <a:outerShdw blurRad="38100" dist="19050" dir="2700000" algn="tl" rotWithShape="0">
+                    <a:schemeClr val="dk1">
+                      <a:alpha val="40000"/>
+                    </a:schemeClr>
+                  </a:outerShdw>
+                </a:effectLst>
+              </a:rPr>
+              <a:t> on Cochrane IPD-MA methods group library</a:t>
+            </a:r>
+            <a:endParaRPr lang="en-US" altLang="x-none" dirty="0" smtClean="0">
+              <a:solidFill>
+                <a:schemeClr val="tx1"/>
+              </a:solidFill>
+              <a:effectLst>
+                <a:outerShdw blurRad="38100" dist="19050" dir="2700000" algn="tl" rotWithShape="0">
+                  <a:schemeClr val="dk1">
+                    <a:alpha val="40000"/>
+                  </a:schemeClr>
+                </a:outerShdw>
+              </a:effectLst>
+            </a:endParaRPr>
           </a:p>
         </p:txBody>
       </p:sp>
@@ -12205,15 +12306,15 @@
         </p:nvSpPr>
         <p:spPr>
           <a:xfrm>
-            <a:off x="2373313" y="4076700"/>
-            <a:ext cx="7758112" cy="1223963"/>
+            <a:off x="3724910" y="4168140"/>
+            <a:ext cx="7757795" cy="655320"/>
           </a:xfrm>
         </p:spPr>
         <p:txBody>
           <a:bodyPr/>
           <a:lstStyle/>
           <a:p>
-            <a:pPr algn="r" defTabSz="-635" eaLnBrk="1" hangingPunct="1">
+            <a:pPr algn="r" defTabSz="0" eaLnBrk="1" hangingPunct="1">
               <a:lnSpc>
                 <a:spcPct val="100000"/>
               </a:lnSpc>
@@ -12253,7 +12354,7 @@
             <a:endParaRPr lang="en-GB" altLang="en-US" dirty="0" smtClean="0"/>
           </a:p>
           <a:p>
-            <a:pPr algn="r" defTabSz="-635" eaLnBrk="1" hangingPunct="1">
+            <a:pPr algn="r" defTabSz="0" eaLnBrk="1" hangingPunct="1">
               <a:lnSpc>
                 <a:spcPct val="100000"/>
               </a:lnSpc>
@@ -12293,7 +12394,7 @@
             <a:endParaRPr lang="en-GB" altLang="en-US" dirty="0" smtClean="0"/>
           </a:p>
           <a:p>
-            <a:pPr defTabSz="-635" eaLnBrk="1" hangingPunct="1">
+            <a:pPr defTabSz="0" eaLnBrk="1" hangingPunct="1">
               <a:tabLst>
                 <a:tab pos="0" algn="l"/>
                 <a:tab pos="457200" algn="l"/>
@@ -12337,7 +12438,522 @@
 </p:sld>
 </file>
 
+<file path=ppt/slides/slide10.xml><?xml version="1.0" encoding="utf-8"?>
+<p:sld xmlns:a="http://schemas.openxmlformats.org/drawingml/2006/main" xmlns:r="http://schemas.openxmlformats.org/officeDocument/2006/relationships" xmlns:p="http://schemas.openxmlformats.org/presentationml/2006/main">
+  <p:cSld>
+    <p:spTree>
+      <p:nvGrpSpPr>
+        <p:cNvPr id="1" name=""/>
+        <p:cNvGrpSpPr/>
+        <p:nvPr/>
+      </p:nvGrpSpPr>
+      <p:grpSpPr/>
+      <p:sp>
+        <p:nvSpPr>
+          <p:cNvPr id="2" name="Title 1"/>
+          <p:cNvSpPr>
+            <a:spLocks noGrp="1"/>
+          </p:cNvSpPr>
+          <p:nvPr>
+            <p:ph type="title"/>
+          </p:nvPr>
+        </p:nvSpPr>
+        <p:spPr/>
+        <p:txBody>
+          <a:bodyPr/>
+          <a:p>
+            <a:r>
+              <a:rPr lang="en-US" altLang="en-US"/>
+              <a:t>What to add?	</a:t>
+            </a:r>
+            <a:endParaRPr lang="en-US" altLang="en-US"/>
+          </a:p>
+        </p:txBody>
+      </p:sp>
+      <p:sp>
+        <p:nvSpPr>
+          <p:cNvPr id="3" name="Content Placeholder 2"/>
+          <p:cNvSpPr>
+            <a:spLocks noGrp="1"/>
+          </p:cNvSpPr>
+          <p:nvPr>
+            <p:ph idx="1"/>
+          </p:nvPr>
+        </p:nvSpPr>
+        <p:spPr>
+          <a:xfrm>
+            <a:off x="245110" y="843280"/>
+            <a:ext cx="11692890" cy="5354320"/>
+          </a:xfrm>
+        </p:spPr>
+        <p:txBody>
+          <a:bodyPr/>
+          <a:p>
+            <a:r>
+              <a:rPr lang="" altLang="en-US"/>
+              <a:t>One of the limitations is that I have identified only IPD-MAs in the Cochrane IPD-MA methods group</a:t>
+            </a:r>
+            <a:endParaRPr lang="" altLang="en-US"/>
+          </a:p>
+          <a:p>
+            <a:endParaRPr lang="" altLang="en-US"/>
+          </a:p>
+          <a:p>
+            <a:r>
+              <a:rPr lang="" altLang="en-US"/>
+              <a:t>We can also expand our search into every IPD-MA from a certain time point </a:t>
+            </a:r>
+            <a:endParaRPr lang="" altLang="en-US"/>
+          </a:p>
+          <a:p>
+            <a:pPr lvl="1"/>
+            <a:r>
+              <a:rPr lang="" altLang="en-US">
+                <a:sym typeface="+mn-ea"/>
+              </a:rPr>
+              <a:t>For instance, </a:t>
+            </a:r>
+            <a:r>
+              <a:rPr lang="en-US" altLang="en-US">
+                <a:sym typeface="+mn-ea"/>
+              </a:rPr>
+              <a:t>2011 </a:t>
+            </a:r>
+            <a:r>
+              <a:rPr lang="" altLang="en-US">
+                <a:sym typeface="+mn-ea"/>
+              </a:rPr>
+              <a:t>as before that there was limited guidance</a:t>
+            </a:r>
+            <a:endParaRPr lang="" altLang="en-US">
+              <a:sym typeface="+mn-ea"/>
+            </a:endParaRPr>
+          </a:p>
+          <a:p>
+            <a:pPr lvl="0"/>
+            <a:endParaRPr lang="" altLang="en-US">
+              <a:sym typeface="+mn-ea"/>
+            </a:endParaRPr>
+          </a:p>
+          <a:p>
+            <a:pPr lvl="0"/>
+            <a:r>
+              <a:rPr lang="" altLang="en-US"/>
+              <a:t>Untill now I am looking for:</a:t>
+            </a:r>
+            <a:endParaRPr lang="" altLang="en-US"/>
+          </a:p>
+          <a:p>
+            <a:pPr lvl="1"/>
+            <a:r>
+              <a:rPr lang="" altLang="en-US" sz="2000"/>
+              <a:t>Size of the meta-analysis</a:t>
+            </a:r>
+            <a:endParaRPr lang="" altLang="en-US" sz="2000"/>
+          </a:p>
+          <a:p>
+            <a:pPr lvl="1"/>
+            <a:r>
+              <a:rPr lang="" altLang="en-US" sz="2000"/>
+              <a:t>Type of studies included in the meta-analysis</a:t>
+            </a:r>
+            <a:endParaRPr lang="" altLang="en-US" sz="2000"/>
+          </a:p>
+          <a:p>
+            <a:pPr lvl="1"/>
+            <a:r>
+              <a:rPr lang="" altLang="en-US" sz="2000"/>
+              <a:t>Whether they investigated for effect modification</a:t>
+            </a:r>
+            <a:endParaRPr lang="" altLang="en-US" sz="2000"/>
+          </a:p>
+          <a:p>
+            <a:pPr lvl="1"/>
+            <a:r>
+              <a:rPr lang="" altLang="en-US" sz="2000"/>
+              <a:t>Over which variables and what type were they (Continuous, categorical)</a:t>
+            </a:r>
+            <a:endParaRPr lang="" altLang="en-US"/>
+          </a:p>
+          <a:p>
+            <a:pPr lvl="1"/>
+            <a:r>
+              <a:rPr lang="" altLang="en-US"/>
+              <a:t>Which method they used</a:t>
+            </a:r>
+            <a:endParaRPr lang="" altLang="en-US"/>
+          </a:p>
+          <a:p>
+            <a:pPr lvl="1"/>
+            <a:endParaRPr lang="" altLang="en-US"/>
+          </a:p>
+          <a:p>
+            <a:pPr lvl="1"/>
+            <a:endParaRPr lang="" altLang="en-US"/>
+          </a:p>
+          <a:p>
+            <a:pPr lvl="1"/>
+            <a:endParaRPr lang="en-US" altLang="en-US"/>
+          </a:p>
+          <a:p>
+            <a:endParaRPr lang="" altLang="en-US"/>
+          </a:p>
+        </p:txBody>
+      </p:sp>
+    </p:spTree>
+  </p:cSld>
+  <p:clrMapOvr>
+    <a:masterClrMapping/>
+  </p:clrMapOvr>
+</p:sld>
+</file>
+
+<file path=ppt/slides/slide11.xml><?xml version="1.0" encoding="utf-8"?>
+<p:sld xmlns:a="http://schemas.openxmlformats.org/drawingml/2006/main" xmlns:r="http://schemas.openxmlformats.org/officeDocument/2006/relationships" xmlns:p="http://schemas.openxmlformats.org/presentationml/2006/main">
+  <p:cSld>
+    <p:spTree>
+      <p:nvGrpSpPr>
+        <p:cNvPr id="1" name=""/>
+        <p:cNvGrpSpPr/>
+        <p:nvPr/>
+      </p:nvGrpSpPr>
+      <p:grpSpPr/>
+      <p:sp>
+        <p:nvSpPr>
+          <p:cNvPr id="2" name="Title 1"/>
+          <p:cNvSpPr>
+            <a:spLocks noGrp="1"/>
+          </p:cNvSpPr>
+          <p:nvPr>
+            <p:ph type="title"/>
+          </p:nvPr>
+        </p:nvSpPr>
+        <p:spPr>
+          <a:xfrm>
+            <a:off x="245110" y="68580"/>
+            <a:ext cx="11692890" cy="533400"/>
+          </a:xfrm>
+        </p:spPr>
+        <p:txBody>
+          <a:bodyPr/>
+          <a:p>
+            <a:r>
+              <a:rPr lang="en-US" altLang="en-US"/>
+              <a:t>Effect modification </a:t>
+            </a:r>
+            <a:endParaRPr lang="en-US" altLang="en-US"/>
+          </a:p>
+        </p:txBody>
+      </p:sp>
+      <p:sp>
+        <p:nvSpPr>
+          <p:cNvPr id="3" name="Content Placeholder 2"/>
+          <p:cNvSpPr>
+            <a:spLocks noGrp="1"/>
+          </p:cNvSpPr>
+          <p:nvPr>
+            <p:ph idx="1"/>
+          </p:nvPr>
+        </p:nvSpPr>
+        <p:spPr>
+          <a:xfrm>
+            <a:off x="249555" y="699135"/>
+            <a:ext cx="11692890" cy="4125595"/>
+          </a:xfrm>
+        </p:spPr>
+        <p:txBody>
+          <a:bodyPr/>
+          <a:p>
+            <a:endParaRPr lang="en-US"/>
+          </a:p>
+          <a:p>
+            <a:r>
+              <a:rPr lang="en-US" altLang="en-US"/>
+              <a:t>Preliminary results</a:t>
+            </a:r>
+            <a:endParaRPr lang="en-US" altLang="en-US">
+              <a:sym typeface="+mn-ea"/>
+            </a:endParaRPr>
+          </a:p>
+          <a:p>
+            <a:endParaRPr lang="en-US" altLang="en-US">
+              <a:sym typeface="+mn-ea"/>
+            </a:endParaRPr>
+          </a:p>
+          <a:p>
+            <a:r>
+              <a:rPr lang="en-US" altLang="en-US">
+                <a:sym typeface="+mn-ea"/>
+              </a:rPr>
+              <a:t>Effect modification is explored in most of the trials </a:t>
+            </a:r>
+            <a:r>
+              <a:rPr lang="en-US" altLang="en-US">
+                <a:sym typeface="+mn-ea"/>
+              </a:rPr>
+              <a:t>(</a:t>
+            </a:r>
+            <a:r>
+              <a:rPr lang="" altLang="en-US">
+                <a:sym typeface="+mn-ea"/>
+              </a:rPr>
+              <a:t>~ </a:t>
+            </a:r>
+            <a:r>
+              <a:rPr lang="en-US" altLang="en-US">
+                <a:sym typeface="+mn-ea"/>
+              </a:rPr>
+              <a:t>85%) </a:t>
+            </a:r>
+            <a:r>
+              <a:rPr lang="en-US" altLang="en-US">
+                <a:sym typeface="+mn-ea"/>
+              </a:rPr>
+              <a:t>, but only a few have them as a main goal and therefore </a:t>
+            </a:r>
+            <a:endParaRPr lang="en-US" altLang="en-US"/>
+          </a:p>
+          <a:p>
+            <a:pPr lvl="1"/>
+            <a:r>
+              <a:rPr lang="en-US" altLang="en-US"/>
+              <a:t>approximatelly 60% have performed per-subgroup meta-analysis</a:t>
+            </a:r>
+            <a:endParaRPr lang="en-US" altLang="en-US"/>
+          </a:p>
+          <a:p>
+            <a:pPr lvl="1"/>
+            <a:r>
+              <a:rPr lang="en-US" altLang="en-US"/>
+              <a:t>20% two-stage meta-analysis of interaction terms</a:t>
+            </a:r>
+            <a:endParaRPr lang="en-US" altLang="en-US"/>
+          </a:p>
+          <a:p>
+            <a:pPr lvl="1"/>
+            <a:r>
+              <a:rPr lang="en-US" altLang="en-US"/>
+              <a:t>Only 5% used a one-stage approach (mostly with a stratified intercept)</a:t>
+            </a:r>
+            <a:endParaRPr lang="en-US" altLang="en-US"/>
+          </a:p>
+          <a:p>
+            <a:pPr lvl="1"/>
+            <a:endParaRPr lang="en-US" altLang="en-US"/>
+          </a:p>
+          <a:p>
+            <a:pPr lvl="1"/>
+            <a:endParaRPr lang="en-US" altLang="en-US"/>
+          </a:p>
+        </p:txBody>
+      </p:sp>
+    </p:spTree>
+  </p:cSld>
+  <p:clrMapOvr>
+    <a:masterClrMapping/>
+  </p:clrMapOvr>
+</p:sld>
+</file>
+
 <file path=ppt/slides/slide2.xml><?xml version="1.0" encoding="utf-8"?>
+<p:sld xmlns:a="http://schemas.openxmlformats.org/drawingml/2006/main" xmlns:r="http://schemas.openxmlformats.org/officeDocument/2006/relationships" xmlns:p="http://schemas.openxmlformats.org/presentationml/2006/main">
+  <p:cSld>
+    <p:spTree>
+      <p:nvGrpSpPr>
+        <p:cNvPr id="1" name=""/>
+        <p:cNvGrpSpPr/>
+        <p:nvPr/>
+      </p:nvGrpSpPr>
+      <p:grpSpPr/>
+      <p:sp>
+        <p:nvSpPr>
+          <p:cNvPr id="2" name="Title 1"/>
+          <p:cNvSpPr>
+            <a:spLocks noGrp="1"/>
+          </p:cNvSpPr>
+          <p:nvPr>
+            <p:ph type="title"/>
+          </p:nvPr>
+        </p:nvSpPr>
+        <p:spPr/>
+        <p:txBody>
+          <a:bodyPr/>
+          <a:p>
+            <a:r>
+              <a:rPr lang="" altLang="en-US"/>
+              <a:t>mini abstract</a:t>
+            </a:r>
+            <a:endParaRPr lang="" altLang="en-US"/>
+          </a:p>
+        </p:txBody>
+      </p:sp>
+      <p:sp>
+        <p:nvSpPr>
+          <p:cNvPr id="3" name="Content Placeholder 2"/>
+          <p:cNvSpPr>
+            <a:spLocks noGrp="1"/>
+          </p:cNvSpPr>
+          <p:nvPr>
+            <p:ph idx="1"/>
+          </p:nvPr>
+        </p:nvSpPr>
+        <p:spPr>
+          <a:xfrm>
+            <a:off x="245110" y="843280"/>
+            <a:ext cx="11692890" cy="5312410"/>
+          </a:xfrm>
+        </p:spPr>
+        <p:txBody>
+          <a:bodyPr/>
+          <a:p>
+            <a:r>
+              <a:rPr lang="en-US"/>
+              <a:t>Individual participant data(IPD) meta-analysis(MA) is considered the gold standard to investigate treatment effect modification. </a:t>
+            </a:r>
+            <a:endParaRPr lang="en-US"/>
+          </a:p>
+          <a:p>
+            <a:endParaRPr lang="en-US"/>
+          </a:p>
+          <a:p>
+            <a:r>
+              <a:rPr lang="en-US"/>
+              <a:t>Multiple methods have been </a:t>
+            </a:r>
+            <a:r>
+              <a:rPr lang="" altLang="en-US"/>
+              <a:t>proposed </a:t>
+            </a:r>
+            <a:r>
+              <a:rPr lang="en-US"/>
+              <a:t>involving both one-stage and two-stage approaches. </a:t>
+            </a:r>
+            <a:endParaRPr lang="en-US"/>
+          </a:p>
+          <a:p>
+            <a:endParaRPr lang="en-US"/>
+          </a:p>
+          <a:p>
+            <a:r>
+              <a:rPr lang="en-US"/>
+              <a:t>Literature over the advantages and disadvantages of these approaches is available.</a:t>
+            </a:r>
+            <a:endParaRPr lang="en-US"/>
+          </a:p>
+          <a:p>
+            <a:endParaRPr lang="en-US"/>
+          </a:p>
+          <a:p>
+            <a:r>
+              <a:rPr lang=""/>
+              <a:t>But it </a:t>
+            </a:r>
+            <a:r>
+              <a:rPr lang="en-US"/>
+              <a:t>is unclear to what level researchers have adopted this guidance</a:t>
+            </a:r>
+            <a:endParaRPr lang="en-US"/>
+          </a:p>
+          <a:p>
+            <a:endParaRPr lang="en-US"/>
+          </a:p>
+          <a:p>
+            <a:r>
+              <a:rPr lang="en-US"/>
+              <a:t>Our aim is to identify which approaches are applied in order to investigate effect modification in IPD-MA</a:t>
+            </a:r>
+            <a:r>
+              <a:rPr lang="" altLang="en-US"/>
+              <a:t>s</a:t>
+            </a:r>
+            <a:r>
+              <a:rPr lang="en-US"/>
+              <a:t>. </a:t>
+            </a:r>
+            <a:endParaRPr lang="en-US"/>
+          </a:p>
+          <a:p>
+            <a:endParaRPr lang="en-US"/>
+          </a:p>
+          <a:p>
+            <a:endParaRPr lang="en-US"/>
+          </a:p>
+          <a:p>
+            <a:r>
+              <a:rPr lang="en-US"/>
+              <a:t> </a:t>
+            </a:r>
+            <a:r>
+              <a:rPr lang="" altLang="en-US"/>
+              <a:t>“</a:t>
+            </a:r>
+            <a:r>
+              <a:rPr lang="en-US"/>
+              <a:t>we aim to inform over the best practice</a:t>
+            </a:r>
+            <a:r>
+              <a:rPr lang="" altLang="en-US"/>
+              <a:t>”</a:t>
+            </a:r>
+            <a:r>
+              <a:rPr lang="en-US"/>
+              <a:t> </a:t>
+            </a:r>
+            <a:endParaRPr lang="en-US"/>
+          </a:p>
+        </p:txBody>
+      </p:sp>
+    </p:spTree>
+  </p:cSld>
+  <p:clrMapOvr>
+    <a:masterClrMapping/>
+  </p:clrMapOvr>
+</p:sld>
+</file>
+
+<file path=ppt/slides/slide3.xml><?xml version="1.0" encoding="utf-8"?>
+<p:sld xmlns:a="http://schemas.openxmlformats.org/drawingml/2006/main" xmlns:r="http://schemas.openxmlformats.org/officeDocument/2006/relationships" xmlns:p="http://schemas.openxmlformats.org/presentationml/2006/main">
+  <p:cSld>
+    <p:spTree>
+      <p:nvGrpSpPr>
+        <p:cNvPr id="1" name=""/>
+        <p:cNvGrpSpPr/>
+        <p:nvPr/>
+      </p:nvGrpSpPr>
+      <p:grpSpPr/>
+      <p:pic>
+        <p:nvPicPr>
+          <p:cNvPr id="4" name="Picture 3" descr="Screenshot from 2019-04-12 10-28-09"/>
+          <p:cNvPicPr>
+            <a:picLocks noChangeAspect="1"/>
+          </p:cNvPicPr>
+          <p:nvPr/>
+        </p:nvPicPr>
+        <p:blipFill>
+          <a:blip r:embed="rId1"/>
+          <a:stretch>
+            <a:fillRect/>
+          </a:stretch>
+        </p:blipFill>
+        <p:spPr>
+          <a:xfrm>
+            <a:off x="1196975" y="147955"/>
+            <a:ext cx="9990455" cy="6562090"/>
+          </a:xfrm>
+          <a:prstGeom prst="rect">
+            <a:avLst/>
+          </a:prstGeom>
+        </p:spPr>
+      </p:pic>
+    </p:spTree>
+  </p:cSld>
+  <p:clrMapOvr>
+    <a:masterClrMapping/>
+  </p:clrMapOvr>
+</p:sld>
+</file>
+
+<file path=ppt/slides/slide4.xml><?xml version="1.0" encoding="utf-8"?>
 <p:sld xmlns:a="http://schemas.openxmlformats.org/drawingml/2006/main" xmlns:r="http://schemas.openxmlformats.org/officeDocument/2006/relationships" xmlns:p="http://schemas.openxmlformats.org/presentationml/2006/main">
   <p:cSld>
     <p:spTree>
@@ -12375,10 +12991,10 @@
           <a:lstStyle/>
           <a:p>
             <a:r>
-              <a:rPr lang="x-none" altLang="en-GB" dirty="0"/>
-              <a:t>Stein's Paradox</a:t>
-            </a:r>
-            <a:endParaRPr lang="x-none" altLang="en-GB" dirty="0"/>
+              <a:rPr lang="en-US" altLang="x-none" dirty="0"/>
+              <a:t>Cochrane IPD-MA methods group</a:t>
+            </a:r>
+            <a:endParaRPr lang="en-US" altLang="x-none" dirty="0"/>
           </a:p>
         </p:txBody>
       </p:sp>
@@ -12402,248 +13018,83 @@
           <a:bodyPr/>
           <a:lstStyle/>
           <a:p>
-            <a:endParaRPr lang="x-none" altLang="en-GB" dirty="0"/>
-          </a:p>
-          <a:p>
-            <a:endParaRPr lang="x-none" altLang="en-GB" dirty="0"/>
-          </a:p>
-          <a:p>
-            <a:r>
-              <a:rPr lang="x-none" altLang="en-GB" dirty="0"/>
-              <a:t>The Dark Side of MLE</a:t>
-            </a:r>
-            <a:endParaRPr lang="x-none" altLang="en-GB" dirty="0"/>
+            <a:r>
+              <a:rPr lang="en-US" altLang="x-none" dirty="0"/>
+              <a:t>202 IPD-MA </a:t>
+            </a:r>
+            <a:r>
+              <a:rPr lang="en-US" altLang="en-US" dirty="0"/>
+              <a:t>were identified in the Cochrane IPD-MA methods group</a:t>
+            </a:r>
+            <a:endParaRPr lang="en-US" altLang="en-US" dirty="0"/>
           </a:p>
           <a:p>
             <a:pPr lvl="1"/>
             <a:r>
-              <a:rPr lang="x-none" altLang="en-GB" dirty="0"/>
-              <a:t>If measurements &gt;3 then MLE is inadmisible</a:t>
-            </a:r>
-            <a:endParaRPr lang="x-none" altLang="en-GB" dirty="0"/>
-          </a:p>
-          <a:p>
-            <a:pPr lvl="1"/>
-            <a:r>
-              <a:rPr lang="x-none" altLang="en-GB" dirty="0"/>
-              <a:t>shrinkage  towards the k-means is advised </a:t>
-            </a:r>
-            <a:endParaRPr lang="x-none" altLang="en-GB" dirty="0"/>
-          </a:p>
-          <a:p>
-            <a:pPr lvl="1"/>
-            <a:r>
-              <a:rPr lang="x-none" altLang="en-GB" dirty="0"/>
-              <a:t>the total error will be lower in total than MLE</a:t>
-            </a:r>
-            <a:endParaRPr lang="x-none" altLang="en-GB" dirty="0"/>
-          </a:p>
-          <a:p>
-            <a:pPr lvl="1"/>
+              <a:rPr lang="en-US" altLang="x-none" dirty="0"/>
+              <a:t>18 medical fields	</a:t>
+            </a:r>
+            <a:endParaRPr lang="en-US" altLang="x-none" dirty="0"/>
+          </a:p>
+          <a:p>
+            <a:pPr lvl="2"/>
+            <a:r>
+              <a:rPr lang="en-US" altLang="x-none" dirty="0"/>
+              <a:t>96 IPD-MAs were cancer related </a:t>
+            </a:r>
+            <a:endParaRPr lang="en-US" altLang="x-none" dirty="0"/>
+          </a:p>
+          <a:p>
+            <a:pPr lvl="2"/>
+            <a:r>
+              <a:rPr lang="en-US" altLang="x-none" dirty="0"/>
+              <a:t>34 Cardiovascular diseases</a:t>
+            </a:r>
+            <a:endParaRPr lang="en-US" altLang="x-none" dirty="0"/>
+          </a:p>
+          <a:p>
+            <a:pPr lvl="2"/>
+            <a:r>
+              <a:rPr lang="en-US" altLang="x-none" dirty="0"/>
+              <a:t>16 Neurology</a:t>
+            </a:r>
+            <a:endParaRPr lang="en-US" altLang="x-none" dirty="0"/>
+          </a:p>
+          <a:p>
+            <a:pPr lvl="2"/>
+            <a:r>
+              <a:rPr lang="en-US" altLang="x-none" dirty="0"/>
+              <a:t>10 pregnancy and child birth </a:t>
+            </a:r>
+            <a:endParaRPr lang="en-US" altLang="x-none" dirty="0"/>
+          </a:p>
+          <a:p>
+            <a:pPr lvl="2"/>
+            <a:r>
+              <a:rPr lang="en-US" altLang="x-none" dirty="0"/>
+              <a:t>Others had less than 10 IPD-MAs</a:t>
+            </a:r>
             <a:endParaRPr lang="x-none" altLang="en-GB" dirty="0"/>
           </a:p>
           <a:p>
             <a:pPr marL="321945" lvl="1" indent="0">
               <a:buNone/>
             </a:pPr>
-            <a:endParaRPr lang="x-none" altLang="en-GB" dirty="0"/>
+            <a:endParaRPr lang="en-US" altLang="x-none" dirty="0"/>
+          </a:p>
+          <a:p>
+            <a:pPr lvl="0"/>
+            <a:r>
+              <a:rPr lang="en-US" altLang="en-US"/>
+              <a:t>Years of publication 1991-2018</a:t>
+            </a:r>
+            <a:endParaRPr lang="en-US"/>
           </a:p>
           <a:p>
             <a:pPr marL="321945" lvl="1" indent="0">
               <a:buNone/>
             </a:pPr>
-            <a:r>
-              <a:rPr lang="x-none" altLang="en-GB" dirty="0"/>
-              <a:t>Shrinkage in Meta-analysis is vital</a:t>
-            </a:r>
-            <a:endParaRPr lang="x-none" altLang="en-GB" dirty="0"/>
-          </a:p>
-          <a:p>
-            <a:pPr marL="321945" lvl="1" indent="0">
-              <a:buNone/>
-            </a:pPr>
-            <a:endParaRPr lang="x-none" altLang="en-GB" dirty="0"/>
-          </a:p>
-          <a:p>
-            <a:pPr marL="321945" lvl="1" indent="0">
-              <a:buNone/>
-            </a:pPr>
-            <a:endParaRPr lang="x-none" altLang="en-GB" dirty="0"/>
-          </a:p>
-          <a:p>
-            <a:pPr marL="321945" lvl="1" indent="0">
-              <a:buNone/>
-            </a:pPr>
-            <a:endParaRPr lang="x-none" altLang="en-GB" dirty="0"/>
-          </a:p>
-        </p:txBody>
-      </p:sp>
-    </p:spTree>
-  </p:cSld>
-  <p:clrMapOvr>
-    <a:masterClrMapping/>
-  </p:clrMapOvr>
-</p:sld>
-</file>
-
-<file path=ppt/slides/slide3.xml><?xml version="1.0" encoding="utf-8"?>
-<p:sld xmlns:a="http://schemas.openxmlformats.org/drawingml/2006/main" xmlns:r="http://schemas.openxmlformats.org/officeDocument/2006/relationships" xmlns:p="http://schemas.openxmlformats.org/presentationml/2006/main">
-  <p:cSld>
-    <p:spTree>
-      <p:nvGrpSpPr>
-        <p:cNvPr id="1" name=""/>
-        <p:cNvGrpSpPr/>
-        <p:nvPr/>
-      </p:nvGrpSpPr>
-      <p:grpSpPr/>
-      <p:sp>
-        <p:nvSpPr>
-          <p:cNvPr id="2" name="Title 1"/>
-          <p:cNvSpPr>
-            <a:spLocks noGrp="1"/>
-          </p:cNvSpPr>
-          <p:nvPr>
-            <p:ph type="title"/>
-          </p:nvPr>
-        </p:nvSpPr>
-        <p:spPr>
-          <a:xfrm>
-            <a:off x="695008" y="116523"/>
-            <a:ext cx="10798175" cy="533400"/>
-          </a:xfrm>
-        </p:spPr>
-        <p:txBody>
-          <a:bodyPr/>
-          <a:p>
-            <a:r>
-              <a:rPr lang="x-none" altLang="en-US"/>
-              <a:t>2 paths </a:t>
-            </a:r>
-            <a:endParaRPr lang="x-none" altLang="en-US"/>
-          </a:p>
-        </p:txBody>
-      </p:sp>
-      <p:sp>
-        <p:nvSpPr>
-          <p:cNvPr id="3" name="Content Placeholder 2"/>
-          <p:cNvSpPr>
-            <a:spLocks noGrp="1"/>
-          </p:cNvSpPr>
-          <p:nvPr>
-            <p:ph idx="1"/>
-          </p:nvPr>
-        </p:nvSpPr>
-        <p:spPr>
-          <a:xfrm>
-            <a:off x="697865" y="925195"/>
-            <a:ext cx="10798175" cy="5015865"/>
-          </a:xfrm>
-        </p:spPr>
-        <p:txBody>
-          <a:bodyPr/>
-          <a:p>
-            <a:r>
-              <a:rPr lang="x-none" altLang="en-US"/>
-              <a:t>Frequentist </a:t>
-            </a:r>
-            <a:endParaRPr lang="x-none" altLang="en-US"/>
-          </a:p>
-          <a:p>
-            <a:r>
-              <a:rPr lang="x-none" altLang="en-US"/>
-              <a:t>Bayesian </a:t>
-            </a:r>
-            <a:endParaRPr lang="x-none" altLang="en-US"/>
-          </a:p>
-          <a:p>
-            <a:endParaRPr lang="x-none" altLang="en-US"/>
-          </a:p>
-          <a:p>
-            <a:endParaRPr lang="x-none" altLang="en-US"/>
-          </a:p>
-          <a:p>
-            <a:endParaRPr lang="x-none" altLang="en-US"/>
-          </a:p>
-          <a:p>
-            <a:endParaRPr lang="x-none" altLang="en-US"/>
-          </a:p>
-          <a:p>
-            <a:r>
-              <a:rPr lang="x-none" altLang="en-US"/>
-              <a:t>Maroeska Paper on autism </a:t>
-            </a:r>
-            <a:endParaRPr lang="x-none" altLang="en-US"/>
-          </a:p>
-          <a:p>
-            <a:endParaRPr lang="x-none" altLang="en-US"/>
-          </a:p>
-        </p:txBody>
-      </p:sp>
-    </p:spTree>
-  </p:cSld>
-  <p:clrMapOvr>
-    <a:masterClrMapping/>
-  </p:clrMapOvr>
-</p:sld>
-</file>
-
-<file path=ppt/slides/slide4.xml><?xml version="1.0" encoding="utf-8"?>
-<p:sld xmlns:a="http://schemas.openxmlformats.org/drawingml/2006/main" xmlns:r="http://schemas.openxmlformats.org/officeDocument/2006/relationships" xmlns:p="http://schemas.openxmlformats.org/presentationml/2006/main">
-  <p:cSld>
-    <p:spTree>
-      <p:nvGrpSpPr>
-        <p:cNvPr id="1" name=""/>
-        <p:cNvGrpSpPr/>
-        <p:nvPr/>
-      </p:nvGrpSpPr>
-      <p:grpSpPr/>
-      <p:sp>
-        <p:nvSpPr>
-          <p:cNvPr id="2" name="Title 1"/>
-          <p:cNvSpPr>
-            <a:spLocks noGrp="1"/>
-          </p:cNvSpPr>
-          <p:nvPr>
-            <p:ph type="title"/>
-          </p:nvPr>
-        </p:nvSpPr>
-        <p:spPr>
-          <a:xfrm>
-            <a:off x="695008" y="116523"/>
-            <a:ext cx="10798175" cy="533400"/>
-          </a:xfrm>
-        </p:spPr>
-        <p:txBody>
-          <a:bodyPr/>
-          <a:p>
-            <a:r>
-              <a:rPr lang="x-none" altLang="en-US"/>
-              <a:t>Frequentist approach</a:t>
-            </a:r>
-            <a:endParaRPr lang="x-none" altLang="en-US"/>
-          </a:p>
-        </p:txBody>
-      </p:sp>
-      <p:sp>
-        <p:nvSpPr>
-          <p:cNvPr id="3" name="Content Placeholder 2"/>
-          <p:cNvSpPr>
-            <a:spLocks noGrp="1"/>
-          </p:cNvSpPr>
-          <p:nvPr>
-            <p:ph idx="1"/>
-          </p:nvPr>
-        </p:nvSpPr>
-        <p:spPr>
-          <a:xfrm>
-            <a:off x="697865" y="1015365"/>
-            <a:ext cx="10798175" cy="4925695"/>
-          </a:xfrm>
-        </p:spPr>
-        <p:txBody>
-          <a:bodyPr/>
-          <a:p>
-            <a:endParaRPr lang="en-US"/>
+            <a:endParaRPr lang="en-US" altLang="x-none" dirty="0"/>
           </a:p>
         </p:txBody>
       </p:sp>
@@ -12665,33 +13116,50 @@
         <p:nvPr/>
       </p:nvGrpSpPr>
       <p:grpSpPr/>
-      <p:sp>
-        <p:nvSpPr>
-          <p:cNvPr id="2" name="Title 1"/>
-          <p:cNvSpPr>
-            <a:spLocks noGrp="1"/>
-          </p:cNvSpPr>
+      <p:pic>
+        <p:nvPicPr>
+          <p:cNvPr id="6" name="Content Placeholder 5"/>
+          <p:cNvPicPr>
+            <a:picLocks noChangeAspect="1"/>
+          </p:cNvPicPr>
           <p:nvPr>
-            <p:ph type="title"/>
+            <p:ph idx="1"/>
           </p:nvPr>
-        </p:nvSpPr>
+        </p:nvPicPr>
+        <p:blipFill>
+          <a:blip r:embed="rId1"/>
+          <a:stretch>
+            <a:fillRect/>
+          </a:stretch>
+        </p:blipFill>
         <p:spPr>
           <a:xfrm>
-            <a:off x="695008" y="116523"/>
-            <a:ext cx="10798175" cy="533400"/>
+            <a:off x="414655" y="201930"/>
+            <a:ext cx="11362690" cy="6029960"/>
           </a:xfrm>
+          <a:prstGeom prst="rect">
+            <a:avLst/>
+          </a:prstGeom>
         </p:spPr>
-        <p:txBody>
-          <a:bodyPr/>
-          <a:p>
-            <a:r>
-              <a:rPr lang="x-none" altLang="en-US"/>
-              <a:t>Bayesian procedure</a:t>
-            </a:r>
-            <a:endParaRPr lang="x-none" altLang="en-US"/>
-          </a:p>
-        </p:txBody>
-      </p:sp>
+      </p:pic>
+    </p:spTree>
+  </p:cSld>
+  <p:clrMapOvr>
+    <a:masterClrMapping/>
+  </p:clrMapOvr>
+</p:sld>
+</file>
+
+<file path=ppt/slides/slide6.xml><?xml version="1.0" encoding="utf-8"?>
+<p:sld xmlns:a="http://schemas.openxmlformats.org/drawingml/2006/main" xmlns:r="http://schemas.openxmlformats.org/officeDocument/2006/relationships" xmlns:p="http://schemas.openxmlformats.org/presentationml/2006/main">
+  <p:cSld>
+    <p:spTree>
+      <p:nvGrpSpPr>
+        <p:cNvPr id="1" name=""/>
+        <p:cNvGrpSpPr/>
+        <p:nvPr/>
+      </p:nvGrpSpPr>
+      <p:grpSpPr/>
       <p:sp>
         <p:nvSpPr>
           <p:cNvPr id="3" name="Content Placeholder 2"/>
@@ -12702,11 +13170,386 @@
             <p:ph idx="1"/>
           </p:nvPr>
         </p:nvSpPr>
-        <p:spPr/>
+        <p:spPr>
+          <a:xfrm>
+            <a:off x="249555" y="791845"/>
+            <a:ext cx="11692890" cy="4125595"/>
+          </a:xfrm>
+        </p:spPr>
         <p:txBody>
           <a:bodyPr/>
           <a:p>
+            <a:pPr lvl="0"/>
+            <a:r>
+              <a:rPr lang="en-US" altLang="x-none" sz="2200" dirty="0">
+                <a:sym typeface="+mn-ea"/>
+              </a:rPr>
+              <a:t>74 </a:t>
+            </a:r>
+            <a:r>
+              <a:rPr lang="en-US" altLang="en-US" sz="2200" dirty="0">
+                <a:sym typeface="+mn-ea"/>
+              </a:rPr>
+              <a:t>IPD-MAs </a:t>
+            </a:r>
+            <a:r>
+              <a:rPr lang="en-US" altLang="x-none" sz="2200" dirty="0">
+                <a:sym typeface="+mn-ea"/>
+              </a:rPr>
+              <a:t>were exluded </a:t>
+            </a:r>
+            <a:endParaRPr lang="en-US" altLang="x-none" sz="2200" dirty="0"/>
+          </a:p>
+          <a:p>
+            <a:pPr lvl="1"/>
+            <a:r>
+              <a:rPr lang="en-US" altLang="x-none" sz="2200" dirty="0">
+                <a:sym typeface="+mn-ea"/>
+              </a:rPr>
+              <a:t>4 studies were not available</a:t>
+            </a:r>
+            <a:endParaRPr lang="en-US" altLang="x-none" sz="2200" dirty="0"/>
+          </a:p>
+          <a:p>
+            <a:pPr lvl="1"/>
+            <a:r>
+              <a:rPr lang="en-US" altLang="x-none" sz="2200" dirty="0">
+                <a:sym typeface="+mn-ea"/>
+              </a:rPr>
+              <a:t>11 were ongoing and didn't provide data </a:t>
+            </a:r>
+            <a:endParaRPr lang="en-US" altLang="x-none" sz="2200" dirty="0"/>
+          </a:p>
+          <a:p>
+            <a:pPr lvl="1"/>
+            <a:r>
+              <a:rPr lang="en-US" altLang="x-none" sz="2200" dirty="0">
+                <a:sym typeface="+mn-ea"/>
+              </a:rPr>
+              <a:t>26 were investigating risk factors </a:t>
+            </a:r>
+            <a:endParaRPr lang="en-US" altLang="x-none" sz="2200" dirty="0"/>
+          </a:p>
+          <a:p>
+            <a:pPr lvl="1"/>
+            <a:r>
+              <a:rPr lang="en-US" altLang="x-none" sz="2200" dirty="0">
+                <a:sym typeface="+mn-ea"/>
+              </a:rPr>
+              <a:t>33 had different study designs than RCTs</a:t>
+            </a:r>
+            <a:r>
+              <a:rPr lang="x-none" altLang="en-GB" sz="2200" dirty="0">
+                <a:sym typeface="+mn-ea"/>
+              </a:rPr>
+              <a:t> </a:t>
+            </a:r>
             <a:endParaRPr lang="en-US"/>
+          </a:p>
+        </p:txBody>
+      </p:sp>
+    </p:spTree>
+  </p:cSld>
+  <p:clrMapOvr>
+    <a:masterClrMapping/>
+  </p:clrMapOvr>
+</p:sld>
+</file>
+
+<file path=ppt/slides/slide7.xml><?xml version="1.0" encoding="utf-8"?>
+<p:sld xmlns:a="http://schemas.openxmlformats.org/drawingml/2006/main" xmlns:r="http://schemas.openxmlformats.org/officeDocument/2006/relationships" xmlns:p="http://schemas.openxmlformats.org/presentationml/2006/main">
+  <p:cSld>
+    <p:spTree>
+      <p:nvGrpSpPr>
+        <p:cNvPr id="1" name=""/>
+        <p:cNvGrpSpPr/>
+        <p:nvPr/>
+      </p:nvGrpSpPr>
+      <p:grpSpPr/>
+      <p:pic>
+        <p:nvPicPr>
+          <p:cNvPr id="4" name="Picture 3"/>
+          <p:cNvPicPr>
+            <a:picLocks noChangeAspect="1"/>
+          </p:cNvPicPr>
+          <p:nvPr/>
+        </p:nvPicPr>
+        <p:blipFill>
+          <a:blip r:embed="rId1"/>
+          <a:stretch>
+            <a:fillRect/>
+          </a:stretch>
+        </p:blipFill>
+        <p:spPr>
+          <a:xfrm>
+            <a:off x="473075" y="107950"/>
+            <a:ext cx="11428730" cy="6235700"/>
+          </a:xfrm>
+          <a:prstGeom prst="rect">
+            <a:avLst/>
+          </a:prstGeom>
+        </p:spPr>
+      </p:pic>
+    </p:spTree>
+  </p:cSld>
+  <p:clrMapOvr>
+    <a:masterClrMapping/>
+  </p:clrMapOvr>
+</p:sld>
+</file>
+
+<file path=ppt/slides/slide8.xml><?xml version="1.0" encoding="utf-8"?>
+<p:sld xmlns:a="http://schemas.openxmlformats.org/drawingml/2006/main" xmlns:r="http://schemas.openxmlformats.org/officeDocument/2006/relationships" xmlns:p="http://schemas.openxmlformats.org/presentationml/2006/main">
+  <p:cSld>
+    <p:spTree>
+      <p:nvGrpSpPr>
+        <p:cNvPr id="1" name=""/>
+        <p:cNvGrpSpPr/>
+        <p:nvPr/>
+      </p:nvGrpSpPr>
+      <p:grpSpPr/>
+      <p:pic>
+        <p:nvPicPr>
+          <p:cNvPr id="4" name="Content Placeholder 3"/>
+          <p:cNvPicPr>
+            <a:picLocks noChangeAspect="1"/>
+          </p:cNvPicPr>
+          <p:nvPr>
+            <p:ph idx="1"/>
+          </p:nvPr>
+        </p:nvPicPr>
+        <p:blipFill>
+          <a:blip r:embed="rId1"/>
+          <a:stretch>
+            <a:fillRect/>
+          </a:stretch>
+        </p:blipFill>
+        <p:spPr>
+          <a:xfrm>
+            <a:off x="275590" y="114300"/>
+            <a:ext cx="11240770" cy="6210300"/>
+          </a:xfrm>
+          <a:prstGeom prst="rect">
+            <a:avLst/>
+          </a:prstGeom>
+        </p:spPr>
+      </p:pic>
+    </p:spTree>
+  </p:cSld>
+  <p:clrMapOvr>
+    <a:masterClrMapping/>
+  </p:clrMapOvr>
+</p:sld>
+</file>
+
+<file path=ppt/slides/slide9.xml><?xml version="1.0" encoding="utf-8"?>
+<p:sld xmlns:a="http://schemas.openxmlformats.org/drawingml/2006/main" xmlns:r="http://schemas.openxmlformats.org/officeDocument/2006/relationships" xmlns:p="http://schemas.openxmlformats.org/presentationml/2006/main">
+  <p:cSld>
+    <p:spTree>
+      <p:nvGrpSpPr>
+        <p:cNvPr id="1" name=""/>
+        <p:cNvGrpSpPr/>
+        <p:nvPr/>
+      </p:nvGrpSpPr>
+      <p:grpSpPr/>
+      <p:sp>
+        <p:nvSpPr>
+          <p:cNvPr id="3" name="Content Placeholder 2"/>
+          <p:cNvSpPr>
+            <a:spLocks noGrp="1"/>
+          </p:cNvSpPr>
+          <p:nvPr>
+            <p:ph idx="1"/>
+          </p:nvPr>
+        </p:nvSpPr>
+        <p:spPr>
+          <a:xfrm>
+            <a:off x="245110" y="709930"/>
+            <a:ext cx="11692890" cy="5507355"/>
+          </a:xfrm>
+        </p:spPr>
+        <p:txBody>
+          <a:bodyPr/>
+          <a:p>
+            <a:r>
+              <a:rPr lang="" altLang="en-US"/>
+              <a:t>Some preliminary r</a:t>
+            </a:r>
+            <a:r>
+              <a:rPr lang="en-US" altLang="en-US"/>
+              <a:t>esults </a:t>
+            </a:r>
+            <a:endParaRPr lang="en-US" altLang="en-US"/>
+          </a:p>
+          <a:p>
+            <a:pPr lvl="1"/>
+            <a:r>
+              <a:rPr lang="en-US" altLang="en-US" sz="2000"/>
+              <a:t>Terminology was not consistent </a:t>
+            </a:r>
+            <a:endParaRPr lang="en-US" altLang="en-US" sz="2000"/>
+          </a:p>
+          <a:p>
+            <a:pPr lvl="2"/>
+            <a:r>
+              <a:rPr lang="en-US" altLang="en-US" sz="1800"/>
+              <a:t>sometimes it was unlcear whic</a:t>
+            </a:r>
+            <a:r>
+              <a:rPr lang="" altLang="en-US" sz="1800"/>
+              <a:t>h</a:t>
+            </a:r>
+            <a:r>
+              <a:rPr lang="en-US" altLang="en-US" sz="1800"/>
+              <a:t> method has been performed </a:t>
+            </a:r>
+            <a:endParaRPr lang="en-US" altLang="en-US" sz="1800"/>
+          </a:p>
+          <a:p>
+            <a:pPr lvl="2"/>
+            <a:endParaRPr lang="en-US" altLang="en-US" sz="1800"/>
+          </a:p>
+          <a:p>
+            <a:pPr lvl="0"/>
+            <a:r>
+              <a:rPr lang="en-US" altLang="en-US" sz="2200"/>
+              <a:t>Quality of IPD-MA is improving by year</a:t>
+            </a:r>
+            <a:endParaRPr lang="en-US" altLang="en-US" sz="2200"/>
+          </a:p>
+          <a:p>
+            <a:pPr lvl="1"/>
+            <a:r>
+              <a:rPr lang="en-US" altLang="en-US" sz="2000"/>
+              <a:t>Articles before 2010 used only PS-MA </a:t>
+            </a:r>
+            <a:r>
+              <a:rPr lang="" altLang="en-US" sz="2000"/>
+              <a:t>and fixed-effects pooled analyses</a:t>
+            </a:r>
+            <a:endParaRPr lang="en-US" altLang="en-US" sz="2000"/>
+          </a:p>
+          <a:p>
+            <a:pPr lvl="1"/>
+            <a:endParaRPr lang="en-US" altLang="en-US"/>
+          </a:p>
+          <a:p>
+            <a:pPr lvl="0"/>
+            <a:r>
+              <a:rPr lang="en-US" altLang="en-US"/>
+              <a:t>Per-subgroup meta-analysis is </a:t>
+            </a:r>
+            <a:r>
+              <a:rPr lang="" altLang="en-US"/>
+              <a:t>still</a:t>
+            </a:r>
+            <a:r>
+              <a:rPr lang="en-US" altLang="en-US"/>
+              <a:t> typically </a:t>
+            </a:r>
+            <a:r>
+              <a:rPr lang="" altLang="en-US"/>
+              <a:t>performed</a:t>
+            </a:r>
+            <a:endParaRPr lang="en-US" altLang="en-US"/>
+          </a:p>
+          <a:p>
+            <a:pPr lvl="1"/>
+            <a:r>
+              <a:rPr lang="en-US" altLang="en-US"/>
+              <a:t>Interaction is often </a:t>
+            </a:r>
+            <a:r>
+              <a:rPr lang="" altLang="en-US"/>
+              <a:t>measured with cochran's Q (Χ</a:t>
+            </a:r>
+            <a:r>
+              <a:rPr lang="" altLang="en-US" baseline="30000"/>
+              <a:t>2</a:t>
+            </a:r>
+            <a:r>
+              <a:rPr lang="" altLang="en-US"/>
+              <a:t> test of trend or interaction)</a:t>
+            </a:r>
+            <a:endParaRPr lang="en-US" altLang="en-US"/>
+          </a:p>
+          <a:p>
+            <a:pPr lvl="1"/>
+            <a:r>
+              <a:rPr lang=""/>
+              <a:t>Almost all studies have categorised the continuous effect modifier </a:t>
+            </a:r>
+            <a:endParaRPr lang=""/>
+          </a:p>
+          <a:p>
+            <a:pPr lvl="1"/>
+            <a:r>
+              <a:rPr lang=""/>
+              <a:t>Rarely effect modification has been investigated with the continuous effect modifier as it is</a:t>
+            </a:r>
+            <a:endParaRPr lang=""/>
+          </a:p>
+          <a:p>
+            <a:pPr lvl="2"/>
+            <a:r>
+              <a:rPr lang="en-US" altLang="en-US">
+                <a:sym typeface="+mn-ea"/>
+              </a:rPr>
+              <a:t>Linearity </a:t>
+            </a:r>
+            <a:r>
+              <a:rPr lang="" altLang="en-US">
+                <a:sym typeface="+mn-ea"/>
+              </a:rPr>
+              <a:t>has been assumed in all cases</a:t>
+            </a:r>
+            <a:endParaRPr lang="" altLang="en-US">
+              <a:sym typeface="+mn-ea"/>
+            </a:endParaRPr>
+          </a:p>
+          <a:p>
+            <a:pPr lvl="2"/>
+            <a:endParaRPr lang="en-US" altLang="en-US"/>
+          </a:p>
+          <a:p>
+            <a:pPr lvl="0"/>
+            <a:r>
+              <a:rPr lang="en-US" altLang="en-US"/>
+              <a:t>One-stage methods are rarely performed </a:t>
+            </a:r>
+            <a:endParaRPr lang="en-US" altLang="en-US"/>
+          </a:p>
+          <a:p>
+            <a:pPr lvl="1"/>
+            <a:r>
+              <a:rPr lang="" altLang="en-US"/>
+              <a:t>most use only a stratified intercept approach </a:t>
+            </a:r>
+            <a:endParaRPr lang="" altLang="en-US"/>
+          </a:p>
+          <a:p>
+            <a:pPr lvl="1"/>
+            <a:r>
+              <a:rPr lang="" altLang="en-US"/>
+              <a:t>Some are unclear of the approach they used </a:t>
+            </a:r>
+            <a:endParaRPr lang="" altLang="en-US"/>
+          </a:p>
+          <a:p>
+            <a:pPr lvl="1"/>
+            <a:r>
+              <a:rPr lang="" altLang="en-US"/>
+              <a:t>No per-trial centring of the effect modifier has been reported</a:t>
+            </a:r>
+            <a:endParaRPr lang="en-US" altLang="en-US"/>
+          </a:p>
+          <a:p>
+            <a:pPr lvl="1"/>
+            <a:endParaRPr lang="en-US" altLang="en-US"/>
+          </a:p>
+          <a:p>
+            <a:pPr lvl="0"/>
+            <a:endParaRPr lang="en-US" altLang="en-US"/>
           </a:p>
         </p:txBody>
       </p:sp>
@@ -12998,8 +13841,6 @@
       </a:bgFillStyleLst>
     </a:fmtScheme>
   </a:themeElements>
-  <a:objectDefaults/>
-  <a:extraClrSchemeLst/>
   <a:extLst>
     <a:ext uri="{05A4C25C-085E-4340-85A3-A5531E510DB2}">
       <thm15:themeFamily xmlns:thm15="http://schemas.microsoft.com/office/thememl/2012/main" name="Office Theme" id="{62F939B6-93AF-4DB8-9C6B-D6C7DFDC589F}" vid="{4A3C46E8-61CC-4603-A589-7422A47A8E4A}"/>
